--- a/slides/19-iteration.pptx
+++ b/slides/19-iteration.pptx
@@ -10,18 +10,18 @@
   <p:sldIdLst>
     <p:sldId id="282" r:id="rId2"/>
     <p:sldId id="257" r:id="rId3"/>
-    <p:sldId id="294" r:id="rId4"/>
-    <p:sldId id="295" r:id="rId5"/>
-    <p:sldId id="296" r:id="rId6"/>
-    <p:sldId id="297" r:id="rId7"/>
-    <p:sldId id="298" r:id="rId8"/>
-    <p:sldId id="299" r:id="rId9"/>
-    <p:sldId id="300" r:id="rId10"/>
-    <p:sldId id="301" r:id="rId11"/>
-    <p:sldId id="302" r:id="rId12"/>
-    <p:sldId id="303" r:id="rId13"/>
-    <p:sldId id="304" r:id="rId14"/>
-    <p:sldId id="305" r:id="rId15"/>
+    <p:sldId id="295" r:id="rId4"/>
+    <p:sldId id="296" r:id="rId5"/>
+    <p:sldId id="297" r:id="rId6"/>
+    <p:sldId id="298" r:id="rId7"/>
+    <p:sldId id="299" r:id="rId8"/>
+    <p:sldId id="300" r:id="rId9"/>
+    <p:sldId id="301" r:id="rId10"/>
+    <p:sldId id="302" r:id="rId11"/>
+    <p:sldId id="303" r:id="rId12"/>
+    <p:sldId id="304" r:id="rId13"/>
+    <p:sldId id="305" r:id="rId14"/>
+    <p:sldId id="306" r:id="rId15"/>
   </p:sldIdLst>
   <p:sldSz cx="12192000" cy="6858000"/>
   <p:notesSz cx="6858000" cy="9144000"/>
@@ -210,7 +210,7 @@
           <a:p>
             <a:fld id="{5701B432-CA49-394F-A532-26B0D002A51A}" type="datetimeFigureOut">
               <a:rPr lang="en-US" smtClean="0"/>
-              <a:t>10/31/23</a:t>
+              <a:t>11/14/23</a:t>
             </a:fld>
             <a:endParaRPr lang="en-US"/>
           </a:p>
@@ -702,7 +702,7 @@
             <a:fld id="{5586B75A-687E-405C-8A0B-8D00578BA2C3}" type="datetimeFigureOut">
               <a:rPr lang="en-US" smtClean="0"/>
               <a:pPr/>
-              <a:t>10/31/23</a:t>
+              <a:t>11/14/23</a:t>
             </a:fld>
             <a:endParaRPr lang="en-US" dirty="0"/>
           </a:p>
@@ -874,7 +874,7 @@
             <a:fld id="{5586B75A-687E-405C-8A0B-8D00578BA2C3}" type="datetimeFigureOut">
               <a:rPr lang="en-US" smtClean="0"/>
               <a:pPr/>
-              <a:t>10/31/23</a:t>
+              <a:t>11/14/23</a:t>
             </a:fld>
             <a:endParaRPr lang="en-US" dirty="0"/>
           </a:p>
@@ -1056,7 +1056,7 @@
             <a:fld id="{5586B75A-687E-405C-8A0B-8D00578BA2C3}" type="datetimeFigureOut">
               <a:rPr lang="en-US" smtClean="0"/>
               <a:pPr/>
-              <a:t>10/31/23</a:t>
+              <a:t>11/14/23</a:t>
             </a:fld>
             <a:endParaRPr lang="en-US" dirty="0"/>
           </a:p>
@@ -1228,7 +1228,7 @@
             <a:fld id="{5586B75A-687E-405C-8A0B-8D00578BA2C3}" type="datetimeFigureOut">
               <a:rPr lang="en-US" smtClean="0"/>
               <a:pPr/>
-              <a:t>10/31/23</a:t>
+              <a:t>11/14/23</a:t>
             </a:fld>
             <a:endParaRPr lang="en-US" dirty="0"/>
           </a:p>
@@ -1484,7 +1484,7 @@
             <a:fld id="{5586B75A-687E-405C-8A0B-8D00578BA2C3}" type="datetimeFigureOut">
               <a:rPr lang="en-US" smtClean="0"/>
               <a:pPr/>
-              <a:t>10/31/23</a:t>
+              <a:t>11/14/23</a:t>
             </a:fld>
             <a:endParaRPr lang="en-US" dirty="0"/>
           </a:p>
@@ -1774,7 +1774,7 @@
             <a:fld id="{5586B75A-687E-405C-8A0B-8D00578BA2C3}" type="datetimeFigureOut">
               <a:rPr lang="en-US" smtClean="0"/>
               <a:pPr/>
-              <a:t>10/31/23</a:t>
+              <a:t>11/14/23</a:t>
             </a:fld>
             <a:endParaRPr lang="en-US" dirty="0"/>
           </a:p>
@@ -2218,7 +2218,7 @@
             <a:fld id="{5586B75A-687E-405C-8A0B-8D00578BA2C3}" type="datetimeFigureOut">
               <a:rPr lang="en-US" smtClean="0"/>
               <a:pPr/>
-              <a:t>10/31/23</a:t>
+              <a:t>11/14/23</a:t>
             </a:fld>
             <a:endParaRPr lang="en-US" dirty="0"/>
           </a:p>
@@ -2339,7 +2339,7 @@
             <a:fld id="{5586B75A-687E-405C-8A0B-8D00578BA2C3}" type="datetimeFigureOut">
               <a:rPr lang="en-US" smtClean="0"/>
               <a:pPr/>
-              <a:t>10/31/23</a:t>
+              <a:t>11/14/23</a:t>
             </a:fld>
             <a:endParaRPr lang="en-US" dirty="0"/>
           </a:p>
@@ -2436,7 +2436,7 @@
             <a:fld id="{5586B75A-687E-405C-8A0B-8D00578BA2C3}" type="datetimeFigureOut">
               <a:rPr lang="en-US" smtClean="0"/>
               <a:pPr/>
-              <a:t>10/31/23</a:t>
+              <a:t>11/14/23</a:t>
             </a:fld>
             <a:endParaRPr lang="en-US" dirty="0"/>
           </a:p>
@@ -2726,7 +2726,7 @@
             <a:fld id="{5586B75A-687E-405C-8A0B-8D00578BA2C3}" type="datetimeFigureOut">
               <a:rPr lang="en-US" smtClean="0"/>
               <a:pPr/>
-              <a:t>10/31/23</a:t>
+              <a:t>11/14/23</a:t>
             </a:fld>
             <a:endParaRPr lang="en-US" dirty="0"/>
           </a:p>
@@ -3001,7 +3001,7 @@
             <a:fld id="{5586B75A-687E-405C-8A0B-8D00578BA2C3}" type="datetimeFigureOut">
               <a:rPr lang="en-US" smtClean="0"/>
               <a:pPr/>
-              <a:t>10/31/23</a:t>
+              <a:t>11/14/23</a:t>
             </a:fld>
             <a:endParaRPr lang="en-US" dirty="0"/>
           </a:p>
@@ -3300,7 +3300,7 @@
             <a:fld id="{5586B75A-687E-405C-8A0B-8D00578BA2C3}" type="datetimeFigureOut">
               <a:rPr lang="en-US" smtClean="0"/>
               <a:pPr/>
-              <a:t>10/31/23</a:t>
+              <a:t>11/14/23</a:t>
             </a:fld>
             <a:endParaRPr lang="en-US" dirty="0"/>
           </a:p>
@@ -3807,7 +3807,7 @@
           <a:p>
             <a:r>
               <a:rPr lang="en-US" dirty="0"/>
-              <a:t>Data Science for Everyone – Functions Pt2</a:t>
+              <a:t>Data Science for Everyone – Iteration</a:t>
             </a:r>
           </a:p>
         </p:txBody>
@@ -4093,214 +4093,6 @@
           </a:prstGeom>
         </p:spPr>
       </p:pic>
-    </p:spTree>
-    <p:extLst>
-      <p:ext uri="{BB962C8B-B14F-4D97-AF65-F5344CB8AC3E}">
-        <p14:creationId xmlns:p14="http://schemas.microsoft.com/office/powerpoint/2010/main" val="3578328997"/>
-      </p:ext>
-    </p:extLst>
-  </p:cSld>
-  <p:clrMapOvr>
-    <a:masterClrMapping/>
-  </p:clrMapOvr>
-</p:sld>
-</file>
-
-<file path=ppt/slides/slide11.xml><?xml version="1.0" encoding="utf-8"?>
-<p:sld xmlns:a="http://schemas.openxmlformats.org/drawingml/2006/main" xmlns:r="http://schemas.openxmlformats.org/officeDocument/2006/relationships" xmlns:p="http://schemas.openxmlformats.org/presentationml/2006/main">
-  <p:cSld>
-    <p:spTree>
-      <p:nvGrpSpPr>
-        <p:cNvPr id="1" name=""/>
-        <p:cNvGrpSpPr/>
-        <p:nvPr/>
-      </p:nvGrpSpPr>
-      <p:grpSpPr>
-        <a:xfrm>
-          <a:off x="0" y="0"/>
-          <a:ext cx="0" cy="0"/>
-          <a:chOff x="0" y="0"/>
-          <a:chExt cx="0" cy="0"/>
-        </a:xfrm>
-      </p:grpSpPr>
-      <p:sp>
-        <p:nvSpPr>
-          <p:cNvPr id="3" name="Content Placeholder 2">
-            <a:extLst>
-              <a:ext uri="{FF2B5EF4-FFF2-40B4-BE49-F238E27FC236}">
-                <a16:creationId xmlns:a16="http://schemas.microsoft.com/office/drawing/2014/main" id="{887DFC8E-13E2-39B2-2DFD-7462D4390AAC}"/>
-              </a:ext>
-            </a:extLst>
-          </p:cNvPr>
-          <p:cNvSpPr>
-            <a:spLocks noGrp="1"/>
-          </p:cNvSpPr>
-          <p:nvPr>
-            <p:ph idx="1"/>
-          </p:nvPr>
-        </p:nvSpPr>
-        <p:spPr>
-          <a:xfrm>
-            <a:off x="3869268" y="864107"/>
-            <a:ext cx="7315200" cy="5691437"/>
-          </a:xfrm>
-        </p:spPr>
-        <p:txBody>
-          <a:bodyPr anchor="t">
-            <a:normAutofit/>
-          </a:bodyPr>
-          <a:lstStyle/>
-          <a:p>
-            <a:r>
-              <a:rPr lang="en-US" sz="2400" dirty="0"/>
-              <a:t>The library </a:t>
-            </a:r>
-            <a:r>
-              <a:rPr lang="en-US" sz="2400" dirty="0" err="1">
-                <a:latin typeface="Courier" pitchFamily="2" charset="0"/>
-              </a:rPr>
-              <a:t>purrr</a:t>
-            </a:r>
-            <a:r>
-              <a:rPr lang="en-US" sz="2400" dirty="0">
-                <a:latin typeface="Courier" pitchFamily="2" charset="0"/>
-              </a:rPr>
-              <a:t> </a:t>
-            </a:r>
-            <a:r>
-              <a:rPr lang="en-US" sz="2400" dirty="0"/>
-              <a:t>makes functional programming with R easier</a:t>
-            </a:r>
-          </a:p>
-          <a:p>
-            <a:r>
-              <a:rPr lang="en-US" sz="2400" dirty="0"/>
-              <a:t>Find the </a:t>
-            </a:r>
-            <a:r>
-              <a:rPr lang="en-US" sz="2400" dirty="0">
-                <a:latin typeface="Courier" pitchFamily="2" charset="0"/>
-              </a:rPr>
-              <a:t>purr</a:t>
-            </a:r>
-            <a:r>
-              <a:rPr lang="en-US" sz="2400" dirty="0"/>
-              <a:t> </a:t>
-            </a:r>
-            <a:r>
-              <a:rPr lang="en-US" sz="2400" dirty="0" err="1"/>
-              <a:t>cheatsheet</a:t>
-            </a:r>
-            <a:r>
-              <a:rPr lang="en-US" sz="2400" dirty="0"/>
-              <a:t> here: </a:t>
-            </a:r>
-            <a:r>
-              <a:rPr lang="en-US" sz="2400" dirty="0">
-                <a:hlinkClick r:id="rId2"/>
-              </a:rPr>
-              <a:t>https://www.rstudio.com/resources/cheatsheets/</a:t>
-            </a:r>
-            <a:r>
-              <a:rPr lang="en-US" sz="2400" dirty="0"/>
-              <a:t> </a:t>
-            </a:r>
-          </a:p>
-          <a:p>
-            <a:r>
-              <a:rPr lang="en-US" sz="2200" dirty="0"/>
-              <a:t>We will mostly use the </a:t>
-            </a:r>
-            <a:r>
-              <a:rPr lang="en-US" sz="2200" dirty="0">
-                <a:latin typeface="Courier" pitchFamily="2" charset="0"/>
-              </a:rPr>
-              <a:t>map() </a:t>
-            </a:r>
-            <a:r>
-              <a:rPr lang="en-US" sz="2200" dirty="0"/>
-              <a:t>function</a:t>
-            </a:r>
-          </a:p>
-        </p:txBody>
-      </p:sp>
-      <p:pic>
-        <p:nvPicPr>
-          <p:cNvPr id="1026" name="Picture 2">
-            <a:extLst>
-              <a:ext uri="{FF2B5EF4-FFF2-40B4-BE49-F238E27FC236}">
-                <a16:creationId xmlns:a16="http://schemas.microsoft.com/office/drawing/2014/main" id="{B4653B20-5007-E2DE-7F66-1F009BA44BB3}"/>
-              </a:ext>
-            </a:extLst>
-          </p:cNvPr>
-          <p:cNvPicPr>
-            <a:picLocks noChangeAspect="1" noChangeArrowheads="1"/>
-          </p:cNvPicPr>
-          <p:nvPr/>
-        </p:nvPicPr>
-        <p:blipFill>
-          <a:blip r:embed="rId3">
-            <a:extLst>
-              <a:ext uri="{28A0092B-C50C-407E-A947-70E740481C1C}">
-                <a14:useLocalDpi xmlns:a14="http://schemas.microsoft.com/office/drawing/2010/main" val="0"/>
-              </a:ext>
-            </a:extLst>
-          </a:blip>
-          <a:srcRect/>
-          <a:stretch>
-            <a:fillRect/>
-          </a:stretch>
-        </p:blipFill>
-        <p:spPr bwMode="auto">
-          <a:xfrm>
-            <a:off x="623519" y="2187559"/>
-            <a:ext cx="2143494" cy="2482881"/>
-          </a:xfrm>
-          <a:prstGeom prst="rect">
-            <a:avLst/>
-          </a:prstGeom>
-          <a:noFill/>
-          <a:extLst>
-            <a:ext uri="{909E8E84-426E-40DD-AFC4-6F175D3DCCD1}">
-              <a14:hiddenFill xmlns:a14="http://schemas.microsoft.com/office/drawing/2010/main">
-                <a:solidFill>
-                  <a:srgbClr val="FFFFFF"/>
-                </a:solidFill>
-              </a14:hiddenFill>
-            </a:ext>
-          </a:extLst>
-        </p:spPr>
-      </p:pic>
-      <p:pic>
-        <p:nvPicPr>
-          <p:cNvPr id="4" name="Picture 3" descr="A picture containing diagram&#10;&#10;Description automatically generated">
-            <a:extLst>
-              <a:ext uri="{FF2B5EF4-FFF2-40B4-BE49-F238E27FC236}">
-                <a16:creationId xmlns:a16="http://schemas.microsoft.com/office/drawing/2014/main" id="{F41A36AB-4A48-23EB-C87B-294A64516A78}"/>
-              </a:ext>
-            </a:extLst>
-          </p:cNvPr>
-          <p:cNvPicPr>
-            <a:picLocks noChangeAspect="1"/>
-          </p:cNvPicPr>
-          <p:nvPr/>
-        </p:nvPicPr>
-        <p:blipFill>
-          <a:blip r:embed="rId4"/>
-          <a:stretch>
-            <a:fillRect/>
-          </a:stretch>
-        </p:blipFill>
-        <p:spPr>
-          <a:xfrm>
-            <a:off x="4759660" y="2926077"/>
-            <a:ext cx="5120235" cy="3805311"/>
-          </a:xfrm>
-          <a:prstGeom prst="rect">
-            <a:avLst/>
-          </a:prstGeom>
-        </p:spPr>
-      </p:pic>
       <p:sp>
         <p:nvSpPr>
           <p:cNvPr id="5" name="Rounded Rectangular Callout 4">
@@ -4418,7 +4210,7 @@
 </p:sld>
 </file>
 
-<file path=ppt/slides/slide12.xml><?xml version="1.0" encoding="utf-8"?>
+<file path=ppt/slides/slide11.xml><?xml version="1.0" encoding="utf-8"?>
 <p:sld xmlns:a="http://schemas.openxmlformats.org/drawingml/2006/main" xmlns:r="http://schemas.openxmlformats.org/officeDocument/2006/relationships" xmlns:p="http://schemas.openxmlformats.org/presentationml/2006/main">
   <p:cSld>
     <p:spTree>
@@ -4844,7 +4636,7 @@
 </p:sld>
 </file>
 
-<file path=ppt/slides/slide13.xml><?xml version="1.0" encoding="utf-8"?>
+<file path=ppt/slides/slide12.xml><?xml version="1.0" encoding="utf-8"?>
 <p:sld xmlns:a="http://schemas.openxmlformats.org/drawingml/2006/main" xmlns:r="http://schemas.openxmlformats.org/officeDocument/2006/relationships" xmlns:p="http://schemas.openxmlformats.org/presentationml/2006/main">
   <p:cSld>
     <p:spTree>
@@ -5336,7 +5128,7 @@
 </p:sld>
 </file>
 
-<file path=ppt/slides/slide14.xml><?xml version="1.0" encoding="utf-8"?>
+<file path=ppt/slides/slide13.xml><?xml version="1.0" encoding="utf-8"?>
 <p:sld xmlns:a="http://schemas.openxmlformats.org/drawingml/2006/main" xmlns:r="http://schemas.openxmlformats.org/officeDocument/2006/relationships" xmlns:p="http://schemas.openxmlformats.org/presentationml/2006/main">
   <p:cSld>
     <p:spTree>
@@ -5713,6 +5505,114 @@
 </p:sld>
 </file>
 
+<file path=ppt/slides/slide14.xml><?xml version="1.0" encoding="utf-8"?>
+<p:sld xmlns:a="http://schemas.openxmlformats.org/drawingml/2006/main" xmlns:r="http://schemas.openxmlformats.org/officeDocument/2006/relationships" xmlns:p="http://schemas.openxmlformats.org/presentationml/2006/main">
+  <p:cSld>
+    <p:spTree>
+      <p:nvGrpSpPr>
+        <p:cNvPr id="1" name=""/>
+        <p:cNvGrpSpPr/>
+        <p:nvPr/>
+      </p:nvGrpSpPr>
+      <p:grpSpPr>
+        <a:xfrm>
+          <a:off x="0" y="0"/>
+          <a:ext cx="0" cy="0"/>
+          <a:chOff x="0" y="0"/>
+          <a:chExt cx="0" cy="0"/>
+        </a:xfrm>
+      </p:grpSpPr>
+      <p:sp>
+        <p:nvSpPr>
+          <p:cNvPr id="3" name="Content Placeholder 2">
+            <a:extLst>
+              <a:ext uri="{FF2B5EF4-FFF2-40B4-BE49-F238E27FC236}">
+                <a16:creationId xmlns:a16="http://schemas.microsoft.com/office/drawing/2014/main" id="{887DFC8E-13E2-39B2-2DFD-7462D4390AAC}"/>
+              </a:ext>
+            </a:extLst>
+          </p:cNvPr>
+          <p:cNvSpPr>
+            <a:spLocks noGrp="1"/>
+          </p:cNvSpPr>
+          <p:nvPr>
+            <p:ph idx="1"/>
+          </p:nvPr>
+        </p:nvSpPr>
+        <p:spPr>
+          <a:xfrm>
+            <a:off x="3869268" y="823281"/>
+            <a:ext cx="7315200" cy="5732264"/>
+          </a:xfrm>
+        </p:spPr>
+        <p:txBody>
+          <a:bodyPr anchor="ctr">
+            <a:normAutofit/>
+          </a:bodyPr>
+          <a:lstStyle/>
+          <a:p>
+            <a:r>
+              <a:rPr lang="en-US" dirty="0"/>
+              <a:t>Work with 1-2 other people on the </a:t>
+            </a:r>
+            <a:r>
+              <a:rPr lang="en-US" dirty="0" err="1"/>
+              <a:t>functions_and_iteration</a:t>
+            </a:r>
+            <a:r>
+              <a:rPr lang="en-US" dirty="0"/>
+              <a:t> lab</a:t>
+            </a:r>
+          </a:p>
+        </p:txBody>
+      </p:sp>
+      <p:sp>
+        <p:nvSpPr>
+          <p:cNvPr id="7" name="Title 1">
+            <a:extLst>
+              <a:ext uri="{FF2B5EF4-FFF2-40B4-BE49-F238E27FC236}">
+                <a16:creationId xmlns:a16="http://schemas.microsoft.com/office/drawing/2014/main" id="{89703BC4-84C1-779A-F724-CCF7DDB5B98C}"/>
+              </a:ext>
+            </a:extLst>
+          </p:cNvPr>
+          <p:cNvSpPr>
+            <a:spLocks noGrp="1"/>
+          </p:cNvSpPr>
+          <p:nvPr>
+            <p:ph type="title"/>
+          </p:nvPr>
+        </p:nvSpPr>
+        <p:spPr>
+          <a:xfrm>
+            <a:off x="252919" y="1123837"/>
+            <a:ext cx="2947482" cy="4601183"/>
+          </a:xfrm>
+        </p:spPr>
+        <p:txBody>
+          <a:bodyPr/>
+          <a:lstStyle/>
+          <a:p>
+            <a:r>
+              <a:rPr lang="en-US" dirty="0">
+                <a:latin typeface="+mn-lt"/>
+              </a:rPr>
+              <a:t>Practice</a:t>
+            </a:r>
+          </a:p>
+        </p:txBody>
+      </p:sp>
+    </p:spTree>
+    <p:extLst>
+      <p:ext uri="{BB962C8B-B14F-4D97-AF65-F5344CB8AC3E}">
+        <p14:creationId xmlns:p14="http://schemas.microsoft.com/office/powerpoint/2010/main" val="1950008893"/>
+      </p:ext>
+    </p:extLst>
+  </p:cSld>
+  <p:clrMapOvr>
+    <a:masterClrMapping/>
+  </p:clrMapOvr>
+</p:sld>
+</file>
+
 <file path=ppt/slides/slide2.xml><?xml version="1.0" encoding="utf-8"?>
 <p:sld xmlns:a="http://schemas.openxmlformats.org/drawingml/2006/main" xmlns:r="http://schemas.openxmlformats.org/officeDocument/2006/relationships" xmlns:p="http://schemas.openxmlformats.org/presentationml/2006/main">
   <p:cSld>
@@ -5824,7 +5724,7 @@
           <p:cNvPr id="2" name="Title 1">
             <a:extLst>
               <a:ext uri="{FF2B5EF4-FFF2-40B4-BE49-F238E27FC236}">
-                <a16:creationId xmlns:a16="http://schemas.microsoft.com/office/drawing/2014/main" id="{532127AA-BF8C-38BB-724F-D97F611501BB}"/>
+                <a16:creationId xmlns:a16="http://schemas.microsoft.com/office/drawing/2014/main" id="{32317971-1355-91BA-1E38-028D341AF6EF}"/>
               </a:ext>
             </a:extLst>
           </p:cNvPr>
@@ -5849,10 +5749,10 @@
       </p:sp>
       <p:sp>
         <p:nvSpPr>
-          <p:cNvPr id="3" name="Text Placeholder 2">
+          <p:cNvPr id="3" name="Content Placeholder 2">
             <a:extLst>
               <a:ext uri="{FF2B5EF4-FFF2-40B4-BE49-F238E27FC236}">
-                <a16:creationId xmlns:a16="http://schemas.microsoft.com/office/drawing/2014/main" id="{7348C7E6-00D1-B1CF-F6B2-E0E8761B9F70}"/>
+                <a16:creationId xmlns:a16="http://schemas.microsoft.com/office/drawing/2014/main" id="{887DFC8E-13E2-39B2-2DFD-7462D4390AAC}"/>
               </a:ext>
             </a:extLst>
           </p:cNvPr>
@@ -5860,22 +5760,60 @@
             <a:spLocks noGrp="1"/>
           </p:cNvSpPr>
           <p:nvPr>
-            <p:ph type="body" idx="1"/>
+            <p:ph idx="1"/>
           </p:nvPr>
         </p:nvSpPr>
         <p:spPr/>
         <p:txBody>
-          <a:bodyPr/>
-          <a:lstStyle/>
-          <a:p>
-            <a:endParaRPr lang="en-US"/>
+          <a:bodyPr anchor="t">
+            <a:normAutofit/>
+          </a:bodyPr>
+          <a:lstStyle/>
+          <a:p>
+            <a:r>
+              <a:rPr lang="en-US" sz="2400" dirty="0"/>
+              <a:t>Suppose you have </a:t>
+            </a:r>
+            <a:r>
+              <a:rPr lang="en-US" sz="2400" dirty="0">
+                <a:latin typeface="Courier" pitchFamily="2" charset="0"/>
+              </a:rPr>
+              <a:t>f(</a:t>
+            </a:r>
+            <a:r>
+              <a:rPr lang="en-US" sz="2400" dirty="0" err="1">
+                <a:latin typeface="Courier" pitchFamily="2" charset="0"/>
+              </a:rPr>
+              <a:t>val</a:t>
+            </a:r>
+            <a:r>
+              <a:rPr lang="en-US" sz="2400" dirty="0">
+                <a:latin typeface="Courier" pitchFamily="2" charset="0"/>
+              </a:rPr>
+              <a:t>)</a:t>
+            </a:r>
+            <a:r>
+              <a:rPr lang="en-US" sz="2400" dirty="0"/>
+              <a:t>, which returns a value, and you want to use this function on values </a:t>
+            </a:r>
+            <a:r>
+              <a:rPr lang="en-US" sz="2400" dirty="0">
+                <a:latin typeface="Courier" pitchFamily="2" charset="0"/>
+              </a:rPr>
+              <a:t>1 – 100</a:t>
+            </a:r>
+          </a:p>
+          <a:p>
+            <a:endParaRPr lang="en-US" sz="2400" dirty="0">
+              <a:latin typeface="Courier" pitchFamily="2" charset="0"/>
+            </a:endParaRPr>
           </a:p>
         </p:txBody>
       </p:sp>
     </p:spTree>
     <p:extLst>
       <p:ext uri="{BB962C8B-B14F-4D97-AF65-F5344CB8AC3E}">
-        <p14:creationId xmlns:p14="http://schemas.microsoft.com/office/powerpoint/2010/main" val="64584121"/>
+        <p14:creationId xmlns:p14="http://schemas.microsoft.com/office/powerpoint/2010/main" val="4130214432"/>
       </p:ext>
     </p:extLst>
   </p:cSld>
@@ -5987,16 +5925,108 @@
             </a:r>
           </a:p>
           <a:p>
-            <a:endParaRPr lang="en-US" sz="2400" dirty="0">
-              <a:latin typeface="Courier" pitchFamily="2" charset="0"/>
-            </a:endParaRPr>
+            <a:r>
+              <a:rPr lang="en-US" sz="2400" dirty="0"/>
+              <a:t>One option for doing this would be to call </a:t>
+            </a:r>
+            <a:r>
+              <a:rPr lang="en-US" sz="2400" dirty="0">
+                <a:latin typeface="Courier" pitchFamily="2" charset="0"/>
+              </a:rPr>
+              <a:t>f(</a:t>
+            </a:r>
+            <a:r>
+              <a:rPr lang="en-US" sz="2400" dirty="0" err="1">
+                <a:latin typeface="Courier" pitchFamily="2" charset="0"/>
+              </a:rPr>
+              <a:t>val</a:t>
+            </a:r>
+            <a:r>
+              <a:rPr lang="en-US" sz="2400" dirty="0">
+                <a:latin typeface="Courier" pitchFamily="2" charset="0"/>
+              </a:rPr>
+              <a:t>) </a:t>
+            </a:r>
+            <a:r>
+              <a:rPr lang="en-US" sz="2400" dirty="0"/>
+              <a:t>for </a:t>
+            </a:r>
+            <a:r>
+              <a:rPr lang="en-US" sz="2400" dirty="0">
+                <a:latin typeface="Courier" pitchFamily="2" charset="0"/>
+              </a:rPr>
+              <a:t>1 – 100</a:t>
+            </a:r>
+          </a:p>
+          <a:p>
+            <a:pPr lvl="1"/>
+            <a:r>
+              <a:rPr lang="en-US" sz="2200" dirty="0">
+                <a:latin typeface="Courier" pitchFamily="2" charset="0"/>
+              </a:rPr>
+              <a:t>f(1)</a:t>
+            </a:r>
+          </a:p>
+          <a:p>
+            <a:pPr lvl="1"/>
+            <a:r>
+              <a:rPr lang="en-US" sz="2200" dirty="0">
+                <a:latin typeface="Courier" pitchFamily="2" charset="0"/>
+              </a:rPr>
+              <a:t>f(2)</a:t>
+            </a:r>
+          </a:p>
+          <a:p>
+            <a:pPr lvl="1"/>
+            <a:r>
+              <a:rPr lang="en-US" sz="2200" dirty="0">
+                <a:latin typeface="Courier" pitchFamily="2" charset="0"/>
+              </a:rPr>
+              <a:t>f(3)</a:t>
+            </a:r>
+          </a:p>
+          <a:p>
+            <a:pPr lvl="1"/>
+            <a:r>
+              <a:rPr lang="en-US" sz="2200" dirty="0">
+                <a:latin typeface="Courier" pitchFamily="2" charset="0"/>
+              </a:rPr>
+              <a:t>f(4)</a:t>
+            </a:r>
+          </a:p>
+          <a:p>
+            <a:pPr lvl="1"/>
+            <a:r>
+              <a:rPr lang="en-US" sz="2200" dirty="0">
+                <a:latin typeface="Courier" pitchFamily="2" charset="0"/>
+              </a:rPr>
+              <a:t>f(4)</a:t>
+            </a:r>
+          </a:p>
+          <a:p>
+            <a:pPr lvl="1"/>
+            <a:r>
+              <a:rPr lang="en-US" sz="2200" dirty="0">
+                <a:latin typeface="Courier" pitchFamily="2" charset="0"/>
+              </a:rPr>
+              <a:t>f(6)</a:t>
+            </a:r>
+          </a:p>
+          <a:p>
+            <a:pPr lvl="1"/>
+            <a:r>
+              <a:rPr lang="en-US" sz="2200" dirty="0">
+                <a:latin typeface="Courier" pitchFamily="2" charset="0"/>
+              </a:rPr>
+              <a:t>...okay, I’m already bored</a:t>
+            </a:r>
           </a:p>
         </p:txBody>
       </p:sp>
     </p:spTree>
     <p:extLst>
       <p:ext uri="{BB962C8B-B14F-4D97-AF65-F5344CB8AC3E}">
-        <p14:creationId xmlns:p14="http://schemas.microsoft.com/office/powerpoint/2010/main" val="4130214432"/>
+        <p14:creationId xmlns:p14="http://schemas.microsoft.com/office/powerpoint/2010/main" val="551752232"/>
       </p:ext>
     </p:extLst>
   </p:cSld>
@@ -6067,219 +6097,6 @@
             <p:ph idx="1"/>
           </p:nvPr>
         </p:nvSpPr>
-        <p:spPr/>
-        <p:txBody>
-          <a:bodyPr anchor="t">
-            <a:normAutofit/>
-          </a:bodyPr>
-          <a:lstStyle/>
-          <a:p>
-            <a:r>
-              <a:rPr lang="en-US" sz="2400" dirty="0"/>
-              <a:t>Suppose you have </a:t>
-            </a:r>
-            <a:r>
-              <a:rPr lang="en-US" sz="2400" dirty="0">
-                <a:latin typeface="Courier" pitchFamily="2" charset="0"/>
-              </a:rPr>
-              <a:t>f(</a:t>
-            </a:r>
-            <a:r>
-              <a:rPr lang="en-US" sz="2400" dirty="0" err="1">
-                <a:latin typeface="Courier" pitchFamily="2" charset="0"/>
-              </a:rPr>
-              <a:t>val</a:t>
-            </a:r>
-            <a:r>
-              <a:rPr lang="en-US" sz="2400" dirty="0">
-                <a:latin typeface="Courier" pitchFamily="2" charset="0"/>
-              </a:rPr>
-              <a:t>)</a:t>
-            </a:r>
-            <a:r>
-              <a:rPr lang="en-US" sz="2400" dirty="0"/>
-              <a:t>, which returns a value, and you want to use this function on values </a:t>
-            </a:r>
-            <a:r>
-              <a:rPr lang="en-US" sz="2400" dirty="0">
-                <a:latin typeface="Courier" pitchFamily="2" charset="0"/>
-              </a:rPr>
-              <a:t>1 – 100</a:t>
-            </a:r>
-          </a:p>
-          <a:p>
-            <a:r>
-              <a:rPr lang="en-US" sz="2400" dirty="0"/>
-              <a:t>One option for doing this would be to call </a:t>
-            </a:r>
-            <a:r>
-              <a:rPr lang="en-US" sz="2400" dirty="0">
-                <a:latin typeface="Courier" pitchFamily="2" charset="0"/>
-              </a:rPr>
-              <a:t>f(</a:t>
-            </a:r>
-            <a:r>
-              <a:rPr lang="en-US" sz="2400" dirty="0" err="1">
-                <a:latin typeface="Courier" pitchFamily="2" charset="0"/>
-              </a:rPr>
-              <a:t>val</a:t>
-            </a:r>
-            <a:r>
-              <a:rPr lang="en-US" sz="2400" dirty="0">
-                <a:latin typeface="Courier" pitchFamily="2" charset="0"/>
-              </a:rPr>
-              <a:t>) </a:t>
-            </a:r>
-            <a:r>
-              <a:rPr lang="en-US" sz="2400" dirty="0"/>
-              <a:t>for </a:t>
-            </a:r>
-            <a:r>
-              <a:rPr lang="en-US" sz="2400" dirty="0">
-                <a:latin typeface="Courier" pitchFamily="2" charset="0"/>
-              </a:rPr>
-              <a:t>1 – 100</a:t>
-            </a:r>
-          </a:p>
-          <a:p>
-            <a:pPr lvl="1"/>
-            <a:r>
-              <a:rPr lang="en-US" sz="2200" dirty="0">
-                <a:latin typeface="Courier" pitchFamily="2" charset="0"/>
-              </a:rPr>
-              <a:t>f(1)</a:t>
-            </a:r>
-          </a:p>
-          <a:p>
-            <a:pPr lvl="1"/>
-            <a:r>
-              <a:rPr lang="en-US" sz="2200" dirty="0">
-                <a:latin typeface="Courier" pitchFamily="2" charset="0"/>
-              </a:rPr>
-              <a:t>f(2)</a:t>
-            </a:r>
-          </a:p>
-          <a:p>
-            <a:pPr lvl="1"/>
-            <a:r>
-              <a:rPr lang="en-US" sz="2200" dirty="0">
-                <a:latin typeface="Courier" pitchFamily="2" charset="0"/>
-              </a:rPr>
-              <a:t>f(3)</a:t>
-            </a:r>
-          </a:p>
-          <a:p>
-            <a:pPr lvl="1"/>
-            <a:r>
-              <a:rPr lang="en-US" sz="2200" dirty="0">
-                <a:latin typeface="Courier" pitchFamily="2" charset="0"/>
-              </a:rPr>
-              <a:t>f(4)</a:t>
-            </a:r>
-          </a:p>
-          <a:p>
-            <a:pPr lvl="1"/>
-            <a:r>
-              <a:rPr lang="en-US" sz="2200" dirty="0">
-                <a:latin typeface="Courier" pitchFamily="2" charset="0"/>
-              </a:rPr>
-              <a:t>f(4)</a:t>
-            </a:r>
-          </a:p>
-          <a:p>
-            <a:pPr lvl="1"/>
-            <a:r>
-              <a:rPr lang="en-US" sz="2200" dirty="0">
-                <a:latin typeface="Courier" pitchFamily="2" charset="0"/>
-              </a:rPr>
-              <a:t>f(6)</a:t>
-            </a:r>
-          </a:p>
-          <a:p>
-            <a:pPr lvl="1"/>
-            <a:r>
-              <a:rPr lang="en-US" sz="2200" dirty="0">
-                <a:latin typeface="Courier" pitchFamily="2" charset="0"/>
-              </a:rPr>
-              <a:t>...okay, I’m already bored</a:t>
-            </a:r>
-          </a:p>
-        </p:txBody>
-      </p:sp>
-    </p:spTree>
-    <p:extLst>
-      <p:ext uri="{BB962C8B-B14F-4D97-AF65-F5344CB8AC3E}">
-        <p14:creationId xmlns:p14="http://schemas.microsoft.com/office/powerpoint/2010/main" val="551752232"/>
-      </p:ext>
-    </p:extLst>
-  </p:cSld>
-  <p:clrMapOvr>
-    <a:masterClrMapping/>
-  </p:clrMapOvr>
-</p:sld>
-</file>
-
-<file path=ppt/slides/slide6.xml><?xml version="1.0" encoding="utf-8"?>
-<p:sld xmlns:a="http://schemas.openxmlformats.org/drawingml/2006/main" xmlns:r="http://schemas.openxmlformats.org/officeDocument/2006/relationships" xmlns:p="http://schemas.openxmlformats.org/presentationml/2006/main">
-  <p:cSld>
-    <p:spTree>
-      <p:nvGrpSpPr>
-        <p:cNvPr id="1" name=""/>
-        <p:cNvGrpSpPr/>
-        <p:nvPr/>
-      </p:nvGrpSpPr>
-      <p:grpSpPr>
-        <a:xfrm>
-          <a:off x="0" y="0"/>
-          <a:ext cx="0" cy="0"/>
-          <a:chOff x="0" y="0"/>
-          <a:chExt cx="0" cy="0"/>
-        </a:xfrm>
-      </p:grpSpPr>
-      <p:sp>
-        <p:nvSpPr>
-          <p:cNvPr id="2" name="Title 1">
-            <a:extLst>
-              <a:ext uri="{FF2B5EF4-FFF2-40B4-BE49-F238E27FC236}">
-                <a16:creationId xmlns:a16="http://schemas.microsoft.com/office/drawing/2014/main" id="{32317971-1355-91BA-1E38-028D341AF6EF}"/>
-              </a:ext>
-            </a:extLst>
-          </p:cNvPr>
-          <p:cNvSpPr>
-            <a:spLocks noGrp="1"/>
-          </p:cNvSpPr>
-          <p:nvPr>
-            <p:ph type="title"/>
-          </p:nvPr>
-        </p:nvSpPr>
-        <p:spPr/>
-        <p:txBody>
-          <a:bodyPr/>
-          <a:lstStyle/>
-          <a:p>
-            <a:r>
-              <a:rPr lang="en-US" dirty="0"/>
-              <a:t>Iteration</a:t>
-            </a:r>
-          </a:p>
-        </p:txBody>
-      </p:sp>
-      <p:sp>
-        <p:nvSpPr>
-          <p:cNvPr id="3" name="Content Placeholder 2">
-            <a:extLst>
-              <a:ext uri="{FF2B5EF4-FFF2-40B4-BE49-F238E27FC236}">
-                <a16:creationId xmlns:a16="http://schemas.microsoft.com/office/drawing/2014/main" id="{887DFC8E-13E2-39B2-2DFD-7462D4390AAC}"/>
-              </a:ext>
-            </a:extLst>
-          </p:cNvPr>
-          <p:cNvSpPr>
-            <a:spLocks noGrp="1"/>
-          </p:cNvSpPr>
-          <p:nvPr>
-            <p:ph idx="1"/>
-          </p:nvPr>
-        </p:nvSpPr>
         <p:spPr>
           <a:xfrm>
             <a:off x="3869268" y="864107"/>
@@ -6473,7 +6290,7 @@
 </p:sld>
 </file>
 
-<file path=ppt/slides/slide7.xml><?xml version="1.0" encoding="utf-8"?>
+<file path=ppt/slides/slide6.xml><?xml version="1.0" encoding="utf-8"?>
 <p:sld xmlns:a="http://schemas.openxmlformats.org/drawingml/2006/main" xmlns:r="http://schemas.openxmlformats.org/officeDocument/2006/relationships" xmlns:p="http://schemas.openxmlformats.org/presentationml/2006/main">
   <p:cSld>
     <p:spTree>
@@ -6606,7 +6423,7 @@
 </p:sld>
 </file>
 
-<file path=ppt/slides/slide8.xml><?xml version="1.0" encoding="utf-8"?>
+<file path=ppt/slides/slide7.xml><?xml version="1.0" encoding="utf-8"?>
 <p:sld xmlns:a="http://schemas.openxmlformats.org/drawingml/2006/main" xmlns:r="http://schemas.openxmlformats.org/officeDocument/2006/relationships" xmlns:p="http://schemas.openxmlformats.org/presentationml/2006/main">
   <p:cSld>
     <p:spTree>
@@ -6769,7 +6586,7 @@
 </p:sld>
 </file>
 
-<file path=ppt/slides/slide9.xml><?xml version="1.0" encoding="utf-8"?>
+<file path=ppt/slides/slide8.xml><?xml version="1.0" encoding="utf-8"?>
 <p:sld xmlns:a="http://schemas.openxmlformats.org/drawingml/2006/main" xmlns:r="http://schemas.openxmlformats.org/officeDocument/2006/relationships" xmlns:p="http://schemas.openxmlformats.org/presentationml/2006/main">
   <p:cSld>
     <p:spTree>
@@ -6925,6 +6742,214 @@
     <p:extLst>
       <p:ext uri="{BB962C8B-B14F-4D97-AF65-F5344CB8AC3E}">
         <p14:creationId xmlns:p14="http://schemas.microsoft.com/office/powerpoint/2010/main" val="225662123"/>
+      </p:ext>
+    </p:extLst>
+  </p:cSld>
+  <p:clrMapOvr>
+    <a:masterClrMapping/>
+  </p:clrMapOvr>
+</p:sld>
+</file>
+
+<file path=ppt/slides/slide9.xml><?xml version="1.0" encoding="utf-8"?>
+<p:sld xmlns:a="http://schemas.openxmlformats.org/drawingml/2006/main" xmlns:r="http://schemas.openxmlformats.org/officeDocument/2006/relationships" xmlns:p="http://schemas.openxmlformats.org/presentationml/2006/main">
+  <p:cSld>
+    <p:spTree>
+      <p:nvGrpSpPr>
+        <p:cNvPr id="1" name=""/>
+        <p:cNvGrpSpPr/>
+        <p:nvPr/>
+      </p:nvGrpSpPr>
+      <p:grpSpPr>
+        <a:xfrm>
+          <a:off x="0" y="0"/>
+          <a:ext cx="0" cy="0"/>
+          <a:chOff x="0" y="0"/>
+          <a:chExt cx="0" cy="0"/>
+        </a:xfrm>
+      </p:grpSpPr>
+      <p:sp>
+        <p:nvSpPr>
+          <p:cNvPr id="3" name="Content Placeholder 2">
+            <a:extLst>
+              <a:ext uri="{FF2B5EF4-FFF2-40B4-BE49-F238E27FC236}">
+                <a16:creationId xmlns:a16="http://schemas.microsoft.com/office/drawing/2014/main" id="{887DFC8E-13E2-39B2-2DFD-7462D4390AAC}"/>
+              </a:ext>
+            </a:extLst>
+          </p:cNvPr>
+          <p:cNvSpPr>
+            <a:spLocks noGrp="1"/>
+          </p:cNvSpPr>
+          <p:nvPr>
+            <p:ph idx="1"/>
+          </p:nvPr>
+        </p:nvSpPr>
+        <p:spPr>
+          <a:xfrm>
+            <a:off x="3869268" y="864107"/>
+            <a:ext cx="7315200" cy="5691437"/>
+          </a:xfrm>
+        </p:spPr>
+        <p:txBody>
+          <a:bodyPr anchor="t">
+            <a:normAutofit/>
+          </a:bodyPr>
+          <a:lstStyle/>
+          <a:p>
+            <a:r>
+              <a:rPr lang="en-US" sz="2400" dirty="0"/>
+              <a:t>The library </a:t>
+            </a:r>
+            <a:r>
+              <a:rPr lang="en-US" sz="2400" dirty="0" err="1">
+                <a:latin typeface="Courier" pitchFamily="2" charset="0"/>
+              </a:rPr>
+              <a:t>purrr</a:t>
+            </a:r>
+            <a:r>
+              <a:rPr lang="en-US" sz="2400" dirty="0">
+                <a:latin typeface="Courier" pitchFamily="2" charset="0"/>
+              </a:rPr>
+              <a:t> </a:t>
+            </a:r>
+            <a:r>
+              <a:rPr lang="en-US" sz="2400" dirty="0"/>
+              <a:t>makes functional programming with R easier</a:t>
+            </a:r>
+          </a:p>
+          <a:p>
+            <a:r>
+              <a:rPr lang="en-US" sz="2400" dirty="0"/>
+              <a:t>Find the </a:t>
+            </a:r>
+            <a:r>
+              <a:rPr lang="en-US" sz="2400" dirty="0">
+                <a:latin typeface="Courier" pitchFamily="2" charset="0"/>
+              </a:rPr>
+              <a:t>purr</a:t>
+            </a:r>
+            <a:r>
+              <a:rPr lang="en-US" sz="2400" dirty="0"/>
+              <a:t> </a:t>
+            </a:r>
+            <a:r>
+              <a:rPr lang="en-US" sz="2400" dirty="0" err="1"/>
+              <a:t>cheatsheet</a:t>
+            </a:r>
+            <a:r>
+              <a:rPr lang="en-US" sz="2400" dirty="0"/>
+              <a:t> here: </a:t>
+            </a:r>
+            <a:r>
+              <a:rPr lang="en-US" sz="2400" dirty="0">
+                <a:hlinkClick r:id="rId2"/>
+              </a:rPr>
+              <a:t>https://www.rstudio.com/resources/cheatsheets/</a:t>
+            </a:r>
+            <a:r>
+              <a:rPr lang="en-US" sz="2400" dirty="0"/>
+              <a:t> </a:t>
+            </a:r>
+          </a:p>
+          <a:p>
+            <a:r>
+              <a:rPr lang="en-US" sz="2200" dirty="0"/>
+              <a:t>We will mostly use the </a:t>
+            </a:r>
+            <a:r>
+              <a:rPr lang="en-US" sz="2200" dirty="0">
+                <a:latin typeface="Courier" pitchFamily="2" charset="0"/>
+              </a:rPr>
+              <a:t>map() </a:t>
+            </a:r>
+            <a:r>
+              <a:rPr lang="en-US" sz="2200" dirty="0"/>
+              <a:t>function</a:t>
+            </a:r>
+          </a:p>
+        </p:txBody>
+      </p:sp>
+      <p:pic>
+        <p:nvPicPr>
+          <p:cNvPr id="1026" name="Picture 2">
+            <a:extLst>
+              <a:ext uri="{FF2B5EF4-FFF2-40B4-BE49-F238E27FC236}">
+                <a16:creationId xmlns:a16="http://schemas.microsoft.com/office/drawing/2014/main" id="{B4653B20-5007-E2DE-7F66-1F009BA44BB3}"/>
+              </a:ext>
+            </a:extLst>
+          </p:cNvPr>
+          <p:cNvPicPr>
+            <a:picLocks noChangeAspect="1" noChangeArrowheads="1"/>
+          </p:cNvPicPr>
+          <p:nvPr/>
+        </p:nvPicPr>
+        <p:blipFill>
+          <a:blip r:embed="rId3">
+            <a:extLst>
+              <a:ext uri="{28A0092B-C50C-407E-A947-70E740481C1C}">
+                <a14:useLocalDpi xmlns:a14="http://schemas.microsoft.com/office/drawing/2010/main" val="0"/>
+              </a:ext>
+            </a:extLst>
+          </a:blip>
+          <a:srcRect/>
+          <a:stretch>
+            <a:fillRect/>
+          </a:stretch>
+        </p:blipFill>
+        <p:spPr bwMode="auto">
+          <a:xfrm>
+            <a:off x="623519" y="2187559"/>
+            <a:ext cx="2143494" cy="2482881"/>
+          </a:xfrm>
+          <a:prstGeom prst="rect">
+            <a:avLst/>
+          </a:prstGeom>
+          <a:noFill/>
+          <a:extLst>
+            <a:ext uri="{909E8E84-426E-40DD-AFC4-6F175D3DCCD1}">
+              <a14:hiddenFill xmlns:a14="http://schemas.microsoft.com/office/drawing/2010/main">
+                <a:solidFill>
+                  <a:srgbClr val="FFFFFF"/>
+                </a:solidFill>
+              </a14:hiddenFill>
+            </a:ext>
+          </a:extLst>
+        </p:spPr>
+      </p:pic>
+      <p:pic>
+        <p:nvPicPr>
+          <p:cNvPr id="4" name="Picture 3" descr="A picture containing diagram&#10;&#10;Description automatically generated">
+            <a:extLst>
+              <a:ext uri="{FF2B5EF4-FFF2-40B4-BE49-F238E27FC236}">
+                <a16:creationId xmlns:a16="http://schemas.microsoft.com/office/drawing/2014/main" id="{F41A36AB-4A48-23EB-C87B-294A64516A78}"/>
+              </a:ext>
+            </a:extLst>
+          </p:cNvPr>
+          <p:cNvPicPr>
+            <a:picLocks noChangeAspect="1"/>
+          </p:cNvPicPr>
+          <p:nvPr/>
+        </p:nvPicPr>
+        <p:blipFill>
+          <a:blip r:embed="rId4"/>
+          <a:stretch>
+            <a:fillRect/>
+          </a:stretch>
+        </p:blipFill>
+        <p:spPr>
+          <a:xfrm>
+            <a:off x="4759660" y="2926077"/>
+            <a:ext cx="5120235" cy="3805311"/>
+          </a:xfrm>
+          <a:prstGeom prst="rect">
+            <a:avLst/>
+          </a:prstGeom>
+        </p:spPr>
+      </p:pic>
+    </p:spTree>
+    <p:extLst>
+      <p:ext uri="{BB962C8B-B14F-4D97-AF65-F5344CB8AC3E}">
+        <p14:creationId xmlns:p14="http://schemas.microsoft.com/office/powerpoint/2010/main" val="3578328997"/>
       </p:ext>
     </p:extLst>
   </p:cSld>

--- a/slides/19-iteration.pptx
+++ b/slides/19-iteration.pptx
@@ -210,7 +210,7 @@
           <a:p>
             <a:fld id="{5701B432-CA49-394F-A532-26B0D002A51A}" type="datetimeFigureOut">
               <a:rPr lang="en-US" smtClean="0"/>
-              <a:t>11/14/23</a:t>
+              <a:t>11/17/23</a:t>
             </a:fld>
             <a:endParaRPr lang="en-US"/>
           </a:p>
@@ -702,7 +702,7 @@
             <a:fld id="{5586B75A-687E-405C-8A0B-8D00578BA2C3}" type="datetimeFigureOut">
               <a:rPr lang="en-US" smtClean="0"/>
               <a:pPr/>
-              <a:t>11/14/23</a:t>
+              <a:t>11/17/23</a:t>
             </a:fld>
             <a:endParaRPr lang="en-US" dirty="0"/>
           </a:p>
@@ -874,7 +874,7 @@
             <a:fld id="{5586B75A-687E-405C-8A0B-8D00578BA2C3}" type="datetimeFigureOut">
               <a:rPr lang="en-US" smtClean="0"/>
               <a:pPr/>
-              <a:t>11/14/23</a:t>
+              <a:t>11/17/23</a:t>
             </a:fld>
             <a:endParaRPr lang="en-US" dirty="0"/>
           </a:p>
@@ -1056,7 +1056,7 @@
             <a:fld id="{5586B75A-687E-405C-8A0B-8D00578BA2C3}" type="datetimeFigureOut">
               <a:rPr lang="en-US" smtClean="0"/>
               <a:pPr/>
-              <a:t>11/14/23</a:t>
+              <a:t>11/17/23</a:t>
             </a:fld>
             <a:endParaRPr lang="en-US" dirty="0"/>
           </a:p>
@@ -1228,7 +1228,7 @@
             <a:fld id="{5586B75A-687E-405C-8A0B-8D00578BA2C3}" type="datetimeFigureOut">
               <a:rPr lang="en-US" smtClean="0"/>
               <a:pPr/>
-              <a:t>11/14/23</a:t>
+              <a:t>11/17/23</a:t>
             </a:fld>
             <a:endParaRPr lang="en-US" dirty="0"/>
           </a:p>
@@ -1484,7 +1484,7 @@
             <a:fld id="{5586B75A-687E-405C-8A0B-8D00578BA2C3}" type="datetimeFigureOut">
               <a:rPr lang="en-US" smtClean="0"/>
               <a:pPr/>
-              <a:t>11/14/23</a:t>
+              <a:t>11/17/23</a:t>
             </a:fld>
             <a:endParaRPr lang="en-US" dirty="0"/>
           </a:p>
@@ -1774,7 +1774,7 @@
             <a:fld id="{5586B75A-687E-405C-8A0B-8D00578BA2C3}" type="datetimeFigureOut">
               <a:rPr lang="en-US" smtClean="0"/>
               <a:pPr/>
-              <a:t>11/14/23</a:t>
+              <a:t>11/17/23</a:t>
             </a:fld>
             <a:endParaRPr lang="en-US" dirty="0"/>
           </a:p>
@@ -2218,7 +2218,7 @@
             <a:fld id="{5586B75A-687E-405C-8A0B-8D00578BA2C3}" type="datetimeFigureOut">
               <a:rPr lang="en-US" smtClean="0"/>
               <a:pPr/>
-              <a:t>11/14/23</a:t>
+              <a:t>11/17/23</a:t>
             </a:fld>
             <a:endParaRPr lang="en-US" dirty="0"/>
           </a:p>
@@ -2339,7 +2339,7 @@
             <a:fld id="{5586B75A-687E-405C-8A0B-8D00578BA2C3}" type="datetimeFigureOut">
               <a:rPr lang="en-US" smtClean="0"/>
               <a:pPr/>
-              <a:t>11/14/23</a:t>
+              <a:t>11/17/23</a:t>
             </a:fld>
             <a:endParaRPr lang="en-US" dirty="0"/>
           </a:p>
@@ -2436,7 +2436,7 @@
             <a:fld id="{5586B75A-687E-405C-8A0B-8D00578BA2C3}" type="datetimeFigureOut">
               <a:rPr lang="en-US" smtClean="0"/>
               <a:pPr/>
-              <a:t>11/14/23</a:t>
+              <a:t>11/17/23</a:t>
             </a:fld>
             <a:endParaRPr lang="en-US" dirty="0"/>
           </a:p>
@@ -2726,7 +2726,7 @@
             <a:fld id="{5586B75A-687E-405C-8A0B-8D00578BA2C3}" type="datetimeFigureOut">
               <a:rPr lang="en-US" smtClean="0"/>
               <a:pPr/>
-              <a:t>11/14/23</a:t>
+              <a:t>11/17/23</a:t>
             </a:fld>
             <a:endParaRPr lang="en-US" dirty="0"/>
           </a:p>
@@ -3001,7 +3001,7 @@
             <a:fld id="{5586B75A-687E-405C-8A0B-8D00578BA2C3}" type="datetimeFigureOut">
               <a:rPr lang="en-US" smtClean="0"/>
               <a:pPr/>
-              <a:t>11/14/23</a:t>
+              <a:t>11/17/23</a:t>
             </a:fld>
             <a:endParaRPr lang="en-US" dirty="0"/>
           </a:p>
@@ -3300,7 +3300,7 @@
             <a:fld id="{5586B75A-687E-405C-8A0B-8D00578BA2C3}" type="datetimeFigureOut">
               <a:rPr lang="en-US" smtClean="0"/>
               <a:pPr/>
-              <a:t>11/14/23</a:t>
+              <a:t>11/17/23</a:t>
             </a:fld>
             <a:endParaRPr lang="en-US" dirty="0"/>
           </a:p>
@@ -5682,10 +5682,15 @@
           <a:lstStyle/>
           <a:p>
             <a:r>
-              <a:rPr lang="en-US" sz="3200"/>
-              <a:t>XX</a:t>
-            </a:r>
-            <a:endParaRPr lang="en-US" sz="3200" dirty="0"/>
+              <a:rPr lang="en-US" sz="3200" dirty="0"/>
+              <a:t>Iteration with R (Mapping) </a:t>
+            </a:r>
+          </a:p>
+          <a:p>
+            <a:r>
+              <a:rPr lang="en-US" sz="3200" dirty="0"/>
+              <a:t>Practice Functions </a:t>
+            </a:r>
           </a:p>
         </p:txBody>
       </p:sp>
